--- a/11/yongki/ProtocolStackPart2.pptx
+++ b/11/yongki/ProtocolStackPart2.pptx
@@ -254,7 +254,7 @@
           <a:p>
             <a:fld id="{278A5395-7299-4714-9E5C-8983F2B9A6E7}" type="datetimeFigureOut">
               <a:rPr lang="ko-KR" altLang="en-US" smtClean="0"/>
-              <a:t>2022-03-04</a:t>
+              <a:t>2022-03-05</a:t>
             </a:fld>
             <a:endParaRPr lang="ko-KR" altLang="en-US"/>
           </a:p>
@@ -7817,7 +7817,17 @@
                 <a:latin typeface="맑은 고딕" panose="020B0503020000020004" pitchFamily="50" charset="-127"/>
                 <a:ea typeface="맑은 고딕" panose="020B0503020000020004" pitchFamily="50" charset="-127"/>
               </a:rPr>
-              <a:t>송신용 버퍼에 저장함으로써 기다린다</a:t>
+              <a:t>송신용 버퍼에 저장함으로써 </a:t>
+            </a:r>
+            <a:r>
+              <a:rPr lang="ko-KR" altLang="en-US" sz="1400">
+                <a:solidFill>
+                  <a:srgbClr val="FF0000"/>
+                </a:solidFill>
+                <a:latin typeface="맑은 고딕" panose="020B0503020000020004" pitchFamily="50" charset="-127"/>
+                <a:ea typeface="맑은 고딕" panose="020B0503020000020004" pitchFamily="50" charset="-127"/>
+              </a:rPr>
+              <a:t>기다린다</a:t>
             </a:r>
             <a:r>
               <a:rPr lang="en-US" altLang="ko-KR" sz="1400">
@@ -18421,7 +18431,7 @@
         <p:spPr bwMode="auto">
           <a:xfrm>
             <a:off x="602619" y="1848428"/>
-            <a:ext cx="4273513" cy="523220"/>
+            <a:ext cx="4273513" cy="307777"/>
           </a:xfrm>
           <a:prstGeom prst="rect">
             <a:avLst/>
@@ -18620,65 +18630,6 @@
                 <a:ea typeface="맑은 고딕" panose="020B0503020000020004" pitchFamily="50" charset="-127"/>
               </a:rPr>
               <a:t>헤더에 기입되는 정보</a:t>
-            </a:r>
-            <a:br>
-              <a:rPr lang="en-US" altLang="ko-KR" sz="1400" b="1">
-                <a:solidFill>
-                  <a:srgbClr val="000000"/>
-                </a:solidFill>
-                <a:latin typeface="맑은 고딕" panose="020B0503020000020004" pitchFamily="50" charset="-127"/>
-                <a:ea typeface="맑은 고딕" panose="020B0503020000020004" pitchFamily="50" charset="-127"/>
-              </a:rPr>
-            </a:br>
-            <a:r>
-              <a:rPr lang="en-US" altLang="ko-KR" sz="1400" b="1">
-                <a:solidFill>
-                  <a:srgbClr val="000000"/>
-                </a:solidFill>
-                <a:latin typeface="맑은 고딕" panose="020B0503020000020004" pitchFamily="50" charset="-127"/>
-                <a:ea typeface="맑은 고딕" panose="020B0503020000020004" pitchFamily="50" charset="-127"/>
-              </a:rPr>
-              <a:t>    </a:t>
-            </a:r>
-            <a:r>
-              <a:rPr lang="en-US" altLang="ko-KR" sz="1400">
-                <a:solidFill>
-                  <a:srgbClr val="000000"/>
-                </a:solidFill>
-                <a:latin typeface="맑은 고딕" panose="020B0503020000020004" pitchFamily="50" charset="-127"/>
-                <a:ea typeface="맑은 고딕" panose="020B0503020000020004" pitchFamily="50" charset="-127"/>
-              </a:rPr>
-              <a:t>: </a:t>
-            </a:r>
-            <a:r>
-              <a:rPr lang="ko-KR" altLang="en-US" sz="1400">
-                <a:solidFill>
-                  <a:srgbClr val="000000"/>
-                </a:solidFill>
-                <a:latin typeface="맑은 고딕" panose="020B0503020000020004" pitchFamily="50" charset="-127"/>
-                <a:ea typeface="맑은 고딕" panose="020B0503020000020004" pitchFamily="50" charset="-127"/>
-              </a:rPr>
-              <a:t>송</a:t>
-            </a:r>
-            <a:r>
-              <a:rPr lang="en-US" altLang="ko-KR" sz="1400">
-                <a:solidFill>
-                  <a:srgbClr val="000000"/>
-                </a:solidFill>
-                <a:latin typeface="맑은 고딕" panose="020B0503020000020004" pitchFamily="50" charset="-127"/>
-                <a:ea typeface="맑은 고딕" panose="020B0503020000020004" pitchFamily="50" charset="-127"/>
-              </a:rPr>
-              <a:t>·</a:t>
-            </a:r>
-            <a:r>
-              <a:rPr lang="ko-KR" altLang="en-US" sz="1400">
-                <a:solidFill>
-                  <a:srgbClr val="000000"/>
-                </a:solidFill>
-                <a:latin typeface="맑은 고딕" panose="020B0503020000020004" pitchFamily="50" charset="-127"/>
-                <a:ea typeface="맑은 고딕" panose="020B0503020000020004" pitchFamily="50" charset="-127"/>
-              </a:rPr>
-              <a:t>수신되는 데이터와 관련된 정보</a:t>
             </a:r>
             <a:endParaRPr lang="en-US" altLang="ko-KR" sz="1400">
               <a:solidFill>
@@ -18707,7 +18658,7 @@
         <p:spPr bwMode="auto">
           <a:xfrm>
             <a:off x="565684" y="3917016"/>
-            <a:ext cx="2340260" cy="523220"/>
+            <a:ext cx="2340260" cy="307777"/>
           </a:xfrm>
           <a:prstGeom prst="rect">
             <a:avLst/>
@@ -18906,65 +18857,6 @@
                 <a:ea typeface="맑은 고딕" panose="020B0503020000020004" pitchFamily="50" charset="-127"/>
               </a:rPr>
               <a:t>소켓에 기입되는 정보</a:t>
-            </a:r>
-            <a:br>
-              <a:rPr lang="en-US" altLang="ko-KR" sz="1400" b="1">
-                <a:solidFill>
-                  <a:srgbClr val="000000"/>
-                </a:solidFill>
-                <a:latin typeface="맑은 고딕" panose="020B0503020000020004" pitchFamily="50" charset="-127"/>
-                <a:ea typeface="맑은 고딕" panose="020B0503020000020004" pitchFamily="50" charset="-127"/>
-              </a:rPr>
-            </a:br>
-            <a:r>
-              <a:rPr lang="en-US" altLang="ko-KR" sz="1400" b="1">
-                <a:solidFill>
-                  <a:srgbClr val="000000"/>
-                </a:solidFill>
-                <a:latin typeface="맑은 고딕" panose="020B0503020000020004" pitchFamily="50" charset="-127"/>
-                <a:ea typeface="맑은 고딕" panose="020B0503020000020004" pitchFamily="50" charset="-127"/>
-              </a:rPr>
-              <a:t>    </a:t>
-            </a:r>
-            <a:r>
-              <a:rPr lang="en-US" altLang="ko-KR" sz="1400">
-                <a:solidFill>
-                  <a:srgbClr val="000000"/>
-                </a:solidFill>
-                <a:latin typeface="맑은 고딕" panose="020B0503020000020004" pitchFamily="50" charset="-127"/>
-                <a:ea typeface="맑은 고딕" panose="020B0503020000020004" pitchFamily="50" charset="-127"/>
-              </a:rPr>
-              <a:t>: </a:t>
-            </a:r>
-            <a:r>
-              <a:rPr lang="ko-KR" altLang="en-US" sz="1400">
-                <a:solidFill>
-                  <a:srgbClr val="000000"/>
-                </a:solidFill>
-                <a:latin typeface="맑은 고딕" panose="020B0503020000020004" pitchFamily="50" charset="-127"/>
-                <a:ea typeface="맑은 고딕" panose="020B0503020000020004" pitchFamily="50" charset="-127"/>
-              </a:rPr>
-              <a:t>송</a:t>
-            </a:r>
-            <a:r>
-              <a:rPr lang="en-US" altLang="ko-KR" sz="1400">
-                <a:solidFill>
-                  <a:srgbClr val="000000"/>
-                </a:solidFill>
-                <a:latin typeface="맑은 고딕" panose="020B0503020000020004" pitchFamily="50" charset="-127"/>
-                <a:ea typeface="맑은 고딕" panose="020B0503020000020004" pitchFamily="50" charset="-127"/>
-              </a:rPr>
-              <a:t>·</a:t>
-            </a:r>
-            <a:r>
-              <a:rPr lang="ko-KR" altLang="en-US" sz="1400">
-                <a:solidFill>
-                  <a:srgbClr val="000000"/>
-                </a:solidFill>
-                <a:latin typeface="맑은 고딕" panose="020B0503020000020004" pitchFamily="50" charset="-127"/>
-                <a:ea typeface="맑은 고딕" panose="020B0503020000020004" pitchFamily="50" charset="-127"/>
-              </a:rPr>
-              <a:t>수신에 관련된 정보</a:t>
             </a:r>
             <a:endParaRPr lang="en-US" altLang="ko-KR" sz="1400">
               <a:solidFill>
